--- a/June_Batch/2CSS/July-2022/07-07-22/grid-boxSizing-position.pptx
+++ b/June_Batch/2CSS/July-2022/07-07-22/grid-boxSizing-position.pptx
@@ -6,25 +6,15 @@
   </p:sldMasterIdLst>
   <p:sldIdLst>
     <p:sldId id="289" r:id="rId2"/>
-    <p:sldId id="392" r:id="rId3"/>
-    <p:sldId id="391" r:id="rId4"/>
-    <p:sldId id="423" r:id="rId5"/>
-    <p:sldId id="424" r:id="rId6"/>
-    <p:sldId id="441" r:id="rId7"/>
-    <p:sldId id="442" r:id="rId8"/>
-    <p:sldId id="443" r:id="rId9"/>
-    <p:sldId id="444" r:id="rId10"/>
-    <p:sldId id="445" r:id="rId11"/>
-    <p:sldId id="425" r:id="rId12"/>
-    <p:sldId id="426" r:id="rId13"/>
-    <p:sldId id="435" r:id="rId14"/>
-    <p:sldId id="438" r:id="rId15"/>
-    <p:sldId id="436" r:id="rId16"/>
-    <p:sldId id="431" r:id="rId17"/>
-    <p:sldId id="439" r:id="rId18"/>
-    <p:sldId id="440" r:id="rId19"/>
-    <p:sldId id="433" r:id="rId20"/>
-    <p:sldId id="434" r:id="rId21"/>
+    <p:sldId id="423" r:id="rId3"/>
+    <p:sldId id="424" r:id="rId4"/>
+    <p:sldId id="441" r:id="rId5"/>
+    <p:sldId id="442" r:id="rId6"/>
+    <p:sldId id="443" r:id="rId7"/>
+    <p:sldId id="444" r:id="rId8"/>
+    <p:sldId id="445" r:id="rId9"/>
+    <p:sldId id="425" r:id="rId10"/>
+    <p:sldId id="426" r:id="rId11"/>
   </p:sldIdLst>
   <p:sldSz cx="12192000" cy="6858000"/>
   <p:notesSz cx="6858000" cy="9144000"/>
@@ -125,7 +115,7 @@
   </p:defaultTextStyle>
   <p:extLst>
     <p:ext uri="{EFAFB233-063F-42B5-8137-9DF3F51BA10A}">
-      <p15:sldGuideLst xmlns:p15="http://schemas.microsoft.com/office/powerpoint/2012/main" xmlns="">
+      <p15:sldGuideLst xmlns="" xmlns:p15="http://schemas.microsoft.com/office/powerpoint/2012/main">
         <p15:guide id="1" orient="horz" pos="2160">
           <p15:clr>
             <a:srgbClr val="A4A3A4"/>
@@ -274,7 +264,7 @@
             <a:fld id="{7FCC5AE5-E495-4913-B643-A95A6AFABB00}" type="datetimeFigureOut">
               <a:rPr kumimoji="1" lang="ja-JP" altLang="en-US" smtClean="0"/>
               <a:pPr/>
-              <a:t>2022/7/7</a:t>
+              <a:t>2022/7/8</a:t>
             </a:fld>
             <a:endParaRPr kumimoji="1" lang="ja-JP" altLang="en-US"/>
           </a:p>
@@ -326,7 +316,7 @@
     </p:spTree>
     <p:extLst>
       <p:ext uri="{BB962C8B-B14F-4D97-AF65-F5344CB8AC3E}">
-        <p14:creationId xmlns:p14="http://schemas.microsoft.com/office/powerpoint/2010/main" xmlns="" val="3096064434"/>
+        <p14:creationId xmlns="" xmlns:p14="http://schemas.microsoft.com/office/powerpoint/2010/main" val="3096064434"/>
       </p:ext>
     </p:extLst>
   </p:cSld>
@@ -446,7 +436,7 @@
             <a:fld id="{7FCC5AE5-E495-4913-B643-A95A6AFABB00}" type="datetimeFigureOut">
               <a:rPr kumimoji="1" lang="ja-JP" altLang="en-US" smtClean="0"/>
               <a:pPr/>
-              <a:t>2022/7/7</a:t>
+              <a:t>2022/7/8</a:t>
             </a:fld>
             <a:endParaRPr kumimoji="1" lang="ja-JP" altLang="en-US"/>
           </a:p>
@@ -498,7 +488,7 @@
     </p:spTree>
     <p:extLst>
       <p:ext uri="{BB962C8B-B14F-4D97-AF65-F5344CB8AC3E}">
-        <p14:creationId xmlns:p14="http://schemas.microsoft.com/office/powerpoint/2010/main" xmlns="" val="71407721"/>
+        <p14:creationId xmlns="" xmlns:p14="http://schemas.microsoft.com/office/powerpoint/2010/main" val="71407721"/>
       </p:ext>
     </p:extLst>
   </p:cSld>
@@ -628,7 +618,7 @@
             <a:fld id="{7FCC5AE5-E495-4913-B643-A95A6AFABB00}" type="datetimeFigureOut">
               <a:rPr kumimoji="1" lang="ja-JP" altLang="en-US" smtClean="0"/>
               <a:pPr/>
-              <a:t>2022/7/7</a:t>
+              <a:t>2022/7/8</a:t>
             </a:fld>
             <a:endParaRPr kumimoji="1" lang="ja-JP" altLang="en-US"/>
           </a:p>
@@ -680,7 +670,7 @@
     </p:spTree>
     <p:extLst>
       <p:ext uri="{BB962C8B-B14F-4D97-AF65-F5344CB8AC3E}">
-        <p14:creationId xmlns:p14="http://schemas.microsoft.com/office/powerpoint/2010/main" xmlns="" val="3852493858"/>
+        <p14:creationId xmlns="" xmlns:p14="http://schemas.microsoft.com/office/powerpoint/2010/main" val="3852493858"/>
       </p:ext>
     </p:extLst>
   </p:cSld>
@@ -800,7 +790,7 @@
             <a:fld id="{7FCC5AE5-E495-4913-B643-A95A6AFABB00}" type="datetimeFigureOut">
               <a:rPr kumimoji="1" lang="ja-JP" altLang="en-US" smtClean="0"/>
               <a:pPr/>
-              <a:t>2022/7/7</a:t>
+              <a:t>2022/7/8</a:t>
             </a:fld>
             <a:endParaRPr kumimoji="1" lang="ja-JP" altLang="en-US"/>
           </a:p>
@@ -852,7 +842,7 @@
     </p:spTree>
     <p:extLst>
       <p:ext uri="{BB962C8B-B14F-4D97-AF65-F5344CB8AC3E}">
-        <p14:creationId xmlns:p14="http://schemas.microsoft.com/office/powerpoint/2010/main" xmlns="" val="282795843"/>
+        <p14:creationId xmlns="" xmlns:p14="http://schemas.microsoft.com/office/powerpoint/2010/main" val="282795843"/>
       </p:ext>
     </p:extLst>
   </p:cSld>
@@ -1048,7 +1038,7 @@
             <a:fld id="{7FCC5AE5-E495-4913-B643-A95A6AFABB00}" type="datetimeFigureOut">
               <a:rPr kumimoji="1" lang="ja-JP" altLang="en-US" smtClean="0"/>
               <a:pPr/>
-              <a:t>2022/7/7</a:t>
+              <a:t>2022/7/8</a:t>
             </a:fld>
             <a:endParaRPr kumimoji="1" lang="ja-JP" altLang="en-US"/>
           </a:p>
@@ -1100,7 +1090,7 @@
     </p:spTree>
     <p:extLst>
       <p:ext uri="{BB962C8B-B14F-4D97-AF65-F5344CB8AC3E}">
-        <p14:creationId xmlns:p14="http://schemas.microsoft.com/office/powerpoint/2010/main" xmlns="" val="1315004973"/>
+        <p14:creationId xmlns="" xmlns:p14="http://schemas.microsoft.com/office/powerpoint/2010/main" val="1315004973"/>
       </p:ext>
     </p:extLst>
   </p:cSld>
@@ -1282,7 +1272,7 @@
             <a:fld id="{7FCC5AE5-E495-4913-B643-A95A6AFABB00}" type="datetimeFigureOut">
               <a:rPr kumimoji="1" lang="ja-JP" altLang="en-US" smtClean="0"/>
               <a:pPr/>
-              <a:t>2022/7/7</a:t>
+              <a:t>2022/7/8</a:t>
             </a:fld>
             <a:endParaRPr kumimoji="1" lang="ja-JP" altLang="en-US"/>
           </a:p>
@@ -1334,7 +1324,7 @@
     </p:spTree>
     <p:extLst>
       <p:ext uri="{BB962C8B-B14F-4D97-AF65-F5344CB8AC3E}">
-        <p14:creationId xmlns:p14="http://schemas.microsoft.com/office/powerpoint/2010/main" xmlns="" val="3048296005"/>
+        <p14:creationId xmlns="" xmlns:p14="http://schemas.microsoft.com/office/powerpoint/2010/main" val="3048296005"/>
       </p:ext>
     </p:extLst>
   </p:cSld>
@@ -1651,7 +1641,7 @@
             <a:fld id="{7FCC5AE5-E495-4913-B643-A95A6AFABB00}" type="datetimeFigureOut">
               <a:rPr kumimoji="1" lang="ja-JP" altLang="en-US" smtClean="0"/>
               <a:pPr/>
-              <a:t>2022/7/7</a:t>
+              <a:t>2022/7/8</a:t>
             </a:fld>
             <a:endParaRPr kumimoji="1" lang="ja-JP" altLang="en-US"/>
           </a:p>
@@ -1703,7 +1693,7 @@
     </p:spTree>
     <p:extLst>
       <p:ext uri="{BB962C8B-B14F-4D97-AF65-F5344CB8AC3E}">
-        <p14:creationId xmlns:p14="http://schemas.microsoft.com/office/powerpoint/2010/main" xmlns="" val="890299385"/>
+        <p14:creationId xmlns="" xmlns:p14="http://schemas.microsoft.com/office/powerpoint/2010/main" val="890299385"/>
       </p:ext>
     </p:extLst>
   </p:cSld>
@@ -1771,7 +1761,7 @@
             <a:fld id="{7FCC5AE5-E495-4913-B643-A95A6AFABB00}" type="datetimeFigureOut">
               <a:rPr kumimoji="1" lang="ja-JP" altLang="en-US" smtClean="0"/>
               <a:pPr/>
-              <a:t>2022/7/7</a:t>
+              <a:t>2022/7/8</a:t>
             </a:fld>
             <a:endParaRPr kumimoji="1" lang="ja-JP" altLang="en-US"/>
           </a:p>
@@ -1823,7 +1813,7 @@
     </p:spTree>
     <p:extLst>
       <p:ext uri="{BB962C8B-B14F-4D97-AF65-F5344CB8AC3E}">
-        <p14:creationId xmlns:p14="http://schemas.microsoft.com/office/powerpoint/2010/main" xmlns="" val="2049573599"/>
+        <p14:creationId xmlns="" xmlns:p14="http://schemas.microsoft.com/office/powerpoint/2010/main" val="2049573599"/>
       </p:ext>
     </p:extLst>
   </p:cSld>
@@ -1868,7 +1858,7 @@
             <a:fld id="{7FCC5AE5-E495-4913-B643-A95A6AFABB00}" type="datetimeFigureOut">
               <a:rPr kumimoji="1" lang="ja-JP" altLang="en-US" smtClean="0"/>
               <a:pPr/>
-              <a:t>2022/7/7</a:t>
+              <a:t>2022/7/8</a:t>
             </a:fld>
             <a:endParaRPr kumimoji="1" lang="ja-JP" altLang="en-US"/>
           </a:p>
@@ -1920,7 +1910,7 @@
     </p:spTree>
     <p:extLst>
       <p:ext uri="{BB962C8B-B14F-4D97-AF65-F5344CB8AC3E}">
-        <p14:creationId xmlns:p14="http://schemas.microsoft.com/office/powerpoint/2010/main" xmlns="" val="1896888541"/>
+        <p14:creationId xmlns="" xmlns:p14="http://schemas.microsoft.com/office/powerpoint/2010/main" val="1896888541"/>
       </p:ext>
     </p:extLst>
   </p:cSld>
@@ -2147,7 +2137,7 @@
             <a:fld id="{7FCC5AE5-E495-4913-B643-A95A6AFABB00}" type="datetimeFigureOut">
               <a:rPr kumimoji="1" lang="ja-JP" altLang="en-US" smtClean="0"/>
               <a:pPr/>
-              <a:t>2022/7/7</a:t>
+              <a:t>2022/7/8</a:t>
             </a:fld>
             <a:endParaRPr kumimoji="1" lang="ja-JP" altLang="en-US"/>
           </a:p>
@@ -2199,7 +2189,7 @@
     </p:spTree>
     <p:extLst>
       <p:ext uri="{BB962C8B-B14F-4D97-AF65-F5344CB8AC3E}">
-        <p14:creationId xmlns:p14="http://schemas.microsoft.com/office/powerpoint/2010/main" xmlns="" val="1581260034"/>
+        <p14:creationId xmlns="" xmlns:p14="http://schemas.microsoft.com/office/powerpoint/2010/main" val="1581260034"/>
       </p:ext>
     </p:extLst>
   </p:cSld>
@@ -2406,7 +2396,7 @@
             <a:fld id="{7FCC5AE5-E495-4913-B643-A95A6AFABB00}" type="datetimeFigureOut">
               <a:rPr kumimoji="1" lang="ja-JP" altLang="en-US" smtClean="0"/>
               <a:pPr/>
-              <a:t>2022/7/7</a:t>
+              <a:t>2022/7/8</a:t>
             </a:fld>
             <a:endParaRPr kumimoji="1" lang="ja-JP" altLang="en-US"/>
           </a:p>
@@ -2458,7 +2448,7 @@
     </p:spTree>
     <p:extLst>
       <p:ext uri="{BB962C8B-B14F-4D97-AF65-F5344CB8AC3E}">
-        <p14:creationId xmlns:p14="http://schemas.microsoft.com/office/powerpoint/2010/main" xmlns="" val="2397771766"/>
+        <p14:creationId xmlns="" xmlns:p14="http://schemas.microsoft.com/office/powerpoint/2010/main" val="2397771766"/>
       </p:ext>
     </p:extLst>
   </p:cSld>
@@ -2621,7 +2611,7 @@
             <a:fld id="{7FCC5AE5-E495-4913-B643-A95A6AFABB00}" type="datetimeFigureOut">
               <a:rPr kumimoji="1" lang="ja-JP" altLang="en-US" smtClean="0"/>
               <a:pPr/>
-              <a:t>2022/7/7</a:t>
+              <a:t>2022/7/8</a:t>
             </a:fld>
             <a:endParaRPr kumimoji="1" lang="ja-JP" altLang="en-US"/>
           </a:p>
@@ -2711,7 +2701,7 @@
           <p:cNvPr id="7" name="TextBox 6">
             <a:extLst>
               <a:ext uri="{FF2B5EF4-FFF2-40B4-BE49-F238E27FC236}">
-                <a16:creationId xmlns:a16="http://schemas.microsoft.com/office/drawing/2014/main" xmlns="" id="{847969B0-9AAB-4EBF-AF99-17A470D83F03}"/>
+                <a16:creationId xmlns="" xmlns:a16="http://schemas.microsoft.com/office/drawing/2014/main" id="{847969B0-9AAB-4EBF-AF99-17A470D83F03}"/>
               </a:ext>
             </a:extLst>
           </p:cNvPr>
@@ -2758,7 +2748,7 @@
     </p:spTree>
     <p:extLst>
       <p:ext uri="{BB962C8B-B14F-4D97-AF65-F5344CB8AC3E}">
-        <p14:creationId xmlns:p14="http://schemas.microsoft.com/office/powerpoint/2010/main" xmlns="" val="492407304"/>
+        <p14:creationId xmlns="" xmlns:p14="http://schemas.microsoft.com/office/powerpoint/2010/main" val="492407304"/>
       </p:ext>
     </p:extLst>
   </p:cSld>
@@ -3166,7 +3156,7 @@
     </p:spTree>
     <p:extLst>
       <p:ext uri="{BB962C8B-B14F-4D97-AF65-F5344CB8AC3E}">
-        <p14:creationId xmlns:p14="http://schemas.microsoft.com/office/powerpoint/2010/main" xmlns="" val="4062787881"/>
+        <p14:creationId xmlns="" xmlns:p14="http://schemas.microsoft.com/office/powerpoint/2010/main" val="4062787881"/>
       </p:ext>
     </p:extLst>
   </p:cSld>
@@ -3184,168 +3174,6 @@
 </file>
 
 <file path=ppt/slides/slide10.xml><?xml version="1.0" encoding="utf-8"?>
-<p:sld xmlns:a="http://schemas.openxmlformats.org/drawingml/2006/main" xmlns:r="http://schemas.openxmlformats.org/officeDocument/2006/relationships" xmlns:p="http://schemas.openxmlformats.org/presentationml/2006/main">
-  <p:cSld>
-    <p:spTree>
-      <p:nvGrpSpPr>
-        <p:cNvPr id="1" name=""/>
-        <p:cNvGrpSpPr/>
-        <p:nvPr/>
-      </p:nvGrpSpPr>
-      <p:grpSpPr>
-        <a:xfrm>
-          <a:off x="0" y="0"/>
-          <a:ext cx="0" cy="0"/>
-          <a:chOff x="0" y="0"/>
-          <a:chExt cx="0" cy="0"/>
-        </a:xfrm>
-      </p:grpSpPr>
-      <p:sp>
-        <p:nvSpPr>
-          <p:cNvPr id="2" name="Title 1"/>
-          <p:cNvSpPr>
-            <a:spLocks noGrp="1"/>
-          </p:cNvSpPr>
-          <p:nvPr>
-            <p:ph type="title"/>
-          </p:nvPr>
-        </p:nvSpPr>
-        <p:spPr/>
-        <p:txBody>
-          <a:bodyPr/>
-          <a:lstStyle/>
-          <a:p>
-            <a:r>
-              <a:rPr lang="en-US" dirty="0" err="1" smtClean="0"/>
-              <a:t>Flex+Grid</a:t>
-            </a:r>
-            <a:endParaRPr lang="en-US" dirty="0"/>
-          </a:p>
-        </p:txBody>
-      </p:sp>
-      <p:pic>
-        <p:nvPicPr>
-          <p:cNvPr id="4098" name="Picture 2"/>
-          <p:cNvPicPr>
-            <a:picLocks noGrp="1" noChangeAspect="1" noChangeArrowheads="1"/>
-          </p:cNvPicPr>
-          <p:nvPr>
-            <p:ph idx="1"/>
-          </p:nvPr>
-        </p:nvPicPr>
-        <p:blipFill>
-          <a:blip r:embed="rId2"/>
-          <a:srcRect/>
-          <a:stretch>
-            <a:fillRect/>
-          </a:stretch>
-        </p:blipFill>
-        <p:spPr bwMode="auto">
-          <a:xfrm>
-            <a:off x="1324100" y="1786436"/>
-            <a:ext cx="9360920" cy="4351338"/>
-          </a:xfrm>
-          <a:prstGeom prst="rect">
-            <a:avLst/>
-          </a:prstGeom>
-          <a:noFill/>
-          <a:ln w="9525">
-            <a:noFill/>
-            <a:miter lim="800000"/>
-            <a:headEnd/>
-            <a:tailEnd/>
-          </a:ln>
-          <a:effectLst/>
-        </p:spPr>
-      </p:pic>
-    </p:spTree>
-  </p:cSld>
-  <p:clrMapOvr>
-    <a:masterClrMapping/>
-  </p:clrMapOvr>
-</p:sld>
-</file>
-
-<file path=ppt/slides/slide11.xml><?xml version="1.0" encoding="utf-8"?>
-<p:sld xmlns:a="http://schemas.openxmlformats.org/drawingml/2006/main" xmlns:r="http://schemas.openxmlformats.org/officeDocument/2006/relationships" xmlns:p="http://schemas.openxmlformats.org/presentationml/2006/main">
-  <p:cSld>
-    <p:spTree>
-      <p:nvGrpSpPr>
-        <p:cNvPr id="1" name=""/>
-        <p:cNvGrpSpPr/>
-        <p:nvPr/>
-      </p:nvGrpSpPr>
-      <p:grpSpPr>
-        <a:xfrm>
-          <a:off x="0" y="0"/>
-          <a:ext cx="0" cy="0"/>
-          <a:chOff x="0" y="0"/>
-          <a:chExt cx="0" cy="0"/>
-        </a:xfrm>
-      </p:grpSpPr>
-      <p:sp>
-        <p:nvSpPr>
-          <p:cNvPr id="2" name="Title 1"/>
-          <p:cNvSpPr>
-            <a:spLocks noGrp="1"/>
-          </p:cNvSpPr>
-          <p:nvPr>
-            <p:ph type="title"/>
-          </p:nvPr>
-        </p:nvSpPr>
-        <p:spPr/>
-        <p:txBody>
-          <a:bodyPr/>
-          <a:lstStyle/>
-          <a:p>
-            <a:endParaRPr lang="en-US"/>
-          </a:p>
-        </p:txBody>
-      </p:sp>
-      <p:pic>
-        <p:nvPicPr>
-          <p:cNvPr id="1026" name="Picture 2"/>
-          <p:cNvPicPr>
-            <a:picLocks noGrp="1" noChangeAspect="1" noChangeArrowheads="1"/>
-          </p:cNvPicPr>
-          <p:nvPr>
-            <p:ph idx="1"/>
-          </p:nvPr>
-        </p:nvPicPr>
-        <p:blipFill>
-          <a:blip r:embed="rId2"/>
-          <a:srcRect/>
-          <a:stretch>
-            <a:fillRect/>
-          </a:stretch>
-        </p:blipFill>
-        <p:spPr bwMode="auto">
-          <a:xfrm>
-            <a:off x="600891" y="533784"/>
-            <a:ext cx="10881360" cy="5631883"/>
-          </a:xfrm>
-          <a:prstGeom prst="rect">
-            <a:avLst/>
-          </a:prstGeom>
-          <a:noFill/>
-          <a:ln w="9525">
-            <a:noFill/>
-            <a:miter lim="800000"/>
-            <a:headEnd/>
-            <a:tailEnd/>
-          </a:ln>
-          <a:effectLst/>
-        </p:spPr>
-      </p:pic>
-    </p:spTree>
-  </p:cSld>
-  <p:clrMapOvr>
-    <a:masterClrMapping/>
-  </p:clrMapOvr>
-</p:sld>
-</file>
-
-<file path=ppt/slides/slide12.xml><?xml version="1.0" encoding="utf-8"?>
 <p:sld xmlns:a="http://schemas.openxmlformats.org/drawingml/2006/main" xmlns:r="http://schemas.openxmlformats.org/officeDocument/2006/relationships" xmlns:p="http://schemas.openxmlformats.org/presentationml/2006/main">
   <p:cSld>
     <p:spTree>
@@ -3441,1002 +3269,7 @@
 </p:sld>
 </file>
 
-<file path=ppt/slides/slide13.xml><?xml version="1.0" encoding="utf-8"?>
-<p:sld xmlns:a="http://schemas.openxmlformats.org/drawingml/2006/main" xmlns:r="http://schemas.openxmlformats.org/officeDocument/2006/relationships" xmlns:p="http://schemas.openxmlformats.org/presentationml/2006/main">
-  <p:cSld>
-    <p:spTree>
-      <p:nvGrpSpPr>
-        <p:cNvPr id="1" name=""/>
-        <p:cNvGrpSpPr/>
-        <p:nvPr/>
-      </p:nvGrpSpPr>
-      <p:grpSpPr>
-        <a:xfrm>
-          <a:off x="0" y="0"/>
-          <a:ext cx="0" cy="0"/>
-          <a:chOff x="0" y="0"/>
-          <a:chExt cx="0" cy="0"/>
-        </a:xfrm>
-      </p:grpSpPr>
-      <p:sp>
-        <p:nvSpPr>
-          <p:cNvPr id="2" name="Title 1"/>
-          <p:cNvSpPr>
-            <a:spLocks noGrp="1"/>
-          </p:cNvSpPr>
-          <p:nvPr>
-            <p:ph type="title"/>
-          </p:nvPr>
-        </p:nvSpPr>
-        <p:spPr/>
-        <p:txBody>
-          <a:bodyPr/>
-          <a:lstStyle/>
-          <a:p>
-            <a:r>
-              <a:rPr lang="en-US" dirty="0" smtClean="0"/>
-              <a:t>Position</a:t>
-            </a:r>
-            <a:endParaRPr lang="en-US" dirty="0"/>
-          </a:p>
-        </p:txBody>
-      </p:sp>
-      <p:pic>
-        <p:nvPicPr>
-          <p:cNvPr id="1026" name="Picture 2"/>
-          <p:cNvPicPr>
-            <a:picLocks noGrp="1" noChangeAspect="1" noChangeArrowheads="1"/>
-          </p:cNvPicPr>
-          <p:nvPr>
-            <p:ph idx="1"/>
-          </p:nvPr>
-        </p:nvPicPr>
-        <p:blipFill>
-          <a:blip r:embed="rId2"/>
-          <a:srcRect/>
-          <a:stretch>
-            <a:fillRect/>
-          </a:stretch>
-        </p:blipFill>
-        <p:spPr bwMode="auto">
-          <a:xfrm>
-            <a:off x="1133474" y="1916679"/>
-            <a:ext cx="10022205" cy="3648097"/>
-          </a:xfrm>
-          <a:prstGeom prst="rect">
-            <a:avLst/>
-          </a:prstGeom>
-          <a:noFill/>
-          <a:ln w="9525">
-            <a:noFill/>
-            <a:miter lim="800000"/>
-            <a:headEnd/>
-            <a:tailEnd/>
-          </a:ln>
-          <a:effectLst/>
-        </p:spPr>
-      </p:pic>
-    </p:spTree>
-  </p:cSld>
-  <p:clrMapOvr>
-    <a:masterClrMapping/>
-  </p:clrMapOvr>
-</p:sld>
-</file>
-
-<file path=ppt/slides/slide14.xml><?xml version="1.0" encoding="utf-8"?>
-<p:sld xmlns:a="http://schemas.openxmlformats.org/drawingml/2006/main" xmlns:r="http://schemas.openxmlformats.org/officeDocument/2006/relationships" xmlns:p="http://schemas.openxmlformats.org/presentationml/2006/main">
-  <p:cSld>
-    <p:spTree>
-      <p:nvGrpSpPr>
-        <p:cNvPr id="1" name=""/>
-        <p:cNvGrpSpPr/>
-        <p:nvPr/>
-      </p:nvGrpSpPr>
-      <p:grpSpPr>
-        <a:xfrm>
-          <a:off x="0" y="0"/>
-          <a:ext cx="0" cy="0"/>
-          <a:chOff x="0" y="0"/>
-          <a:chExt cx="0" cy="0"/>
-        </a:xfrm>
-      </p:grpSpPr>
-      <p:sp>
-        <p:nvSpPr>
-          <p:cNvPr id="2" name="Title 1"/>
-          <p:cNvSpPr>
-            <a:spLocks noGrp="1"/>
-          </p:cNvSpPr>
-          <p:nvPr>
-            <p:ph type="title"/>
-          </p:nvPr>
-        </p:nvSpPr>
-        <p:spPr/>
-        <p:txBody>
-          <a:bodyPr/>
-          <a:lstStyle/>
-          <a:p>
-            <a:r>
-              <a:rPr lang="en-US" dirty="0" smtClean="0"/>
-              <a:t>Default Position - static</a:t>
-            </a:r>
-            <a:endParaRPr lang="en-US" dirty="0"/>
-          </a:p>
-        </p:txBody>
-      </p:sp>
-      <p:pic>
-        <p:nvPicPr>
-          <p:cNvPr id="2051" name="Picture 3"/>
-          <p:cNvPicPr>
-            <a:picLocks noChangeAspect="1" noChangeArrowheads="1"/>
-          </p:cNvPicPr>
-          <p:nvPr/>
-        </p:nvPicPr>
-        <p:blipFill>
-          <a:blip r:embed="rId2"/>
-          <a:srcRect/>
-          <a:stretch>
-            <a:fillRect/>
-          </a:stretch>
-        </p:blipFill>
-        <p:spPr bwMode="auto">
-          <a:xfrm>
-            <a:off x="850855" y="1847443"/>
-            <a:ext cx="4429125" cy="4391025"/>
-          </a:xfrm>
-          <a:prstGeom prst="rect">
-            <a:avLst/>
-          </a:prstGeom>
-          <a:noFill/>
-          <a:ln w="9525">
-            <a:noFill/>
-            <a:miter lim="800000"/>
-            <a:headEnd/>
-            <a:tailEnd/>
-          </a:ln>
-          <a:effectLst/>
-        </p:spPr>
-      </p:pic>
-      <p:pic>
-        <p:nvPicPr>
-          <p:cNvPr id="2053" name="Picture 5"/>
-          <p:cNvPicPr>
-            <a:picLocks noGrp="1" noChangeAspect="1" noChangeArrowheads="1"/>
-          </p:cNvPicPr>
-          <p:nvPr>
-            <p:ph idx="1"/>
-          </p:nvPr>
-        </p:nvPicPr>
-        <p:blipFill>
-          <a:blip r:embed="rId3"/>
-          <a:srcRect/>
-          <a:stretch>
-            <a:fillRect/>
-          </a:stretch>
-        </p:blipFill>
-        <p:spPr bwMode="auto">
-          <a:xfrm>
-            <a:off x="5775960" y="1864254"/>
-            <a:ext cx="5990985" cy="4326330"/>
-          </a:xfrm>
-          <a:prstGeom prst="rect">
-            <a:avLst/>
-          </a:prstGeom>
-          <a:noFill/>
-          <a:ln w="9525">
-            <a:noFill/>
-            <a:miter lim="800000"/>
-            <a:headEnd/>
-            <a:tailEnd/>
-          </a:ln>
-          <a:effectLst/>
-        </p:spPr>
-      </p:pic>
-    </p:spTree>
-  </p:cSld>
-  <p:clrMapOvr>
-    <a:masterClrMapping/>
-  </p:clrMapOvr>
-</p:sld>
-</file>
-
-<file path=ppt/slides/slide15.xml><?xml version="1.0" encoding="utf-8"?>
-<p:sld xmlns:a="http://schemas.openxmlformats.org/drawingml/2006/main" xmlns:r="http://schemas.openxmlformats.org/officeDocument/2006/relationships" xmlns:p="http://schemas.openxmlformats.org/presentationml/2006/main">
-  <p:cSld>
-    <p:spTree>
-      <p:nvGrpSpPr>
-        <p:cNvPr id="1" name=""/>
-        <p:cNvGrpSpPr/>
-        <p:nvPr/>
-      </p:nvGrpSpPr>
-      <p:grpSpPr>
-        <a:xfrm>
-          <a:off x="0" y="0"/>
-          <a:ext cx="0" cy="0"/>
-          <a:chOff x="0" y="0"/>
-          <a:chExt cx="0" cy="0"/>
-        </a:xfrm>
-      </p:grpSpPr>
-      <p:sp>
-        <p:nvSpPr>
-          <p:cNvPr id="2" name="Title 1"/>
-          <p:cNvSpPr>
-            <a:spLocks noGrp="1"/>
-          </p:cNvSpPr>
-          <p:nvPr>
-            <p:ph type="title"/>
-          </p:nvPr>
-        </p:nvSpPr>
-        <p:spPr/>
-        <p:txBody>
-          <a:bodyPr/>
-          <a:lstStyle/>
-          <a:p>
-            <a:r>
-              <a:rPr lang="en-US" dirty="0" smtClean="0"/>
-              <a:t>Position - relative</a:t>
-            </a:r>
-            <a:endParaRPr lang="en-US" dirty="0"/>
-          </a:p>
-        </p:txBody>
-      </p:sp>
-      <p:pic>
-        <p:nvPicPr>
-          <p:cNvPr id="3074" name="Picture 2"/>
-          <p:cNvPicPr>
-            <a:picLocks noGrp="1" noChangeAspect="1" noChangeArrowheads="1"/>
-          </p:cNvPicPr>
-          <p:nvPr>
-            <p:ph idx="1"/>
-          </p:nvPr>
-        </p:nvPicPr>
-        <p:blipFill>
-          <a:blip r:embed="rId2"/>
-          <a:srcRect/>
-          <a:stretch>
-            <a:fillRect/>
-          </a:stretch>
-        </p:blipFill>
-        <p:spPr bwMode="auto">
-          <a:xfrm>
-            <a:off x="2166937" y="1939131"/>
-            <a:ext cx="7858125" cy="4124325"/>
-          </a:xfrm>
-          <a:prstGeom prst="rect">
-            <a:avLst/>
-          </a:prstGeom>
-          <a:noFill/>
-          <a:ln w="9525">
-            <a:noFill/>
-            <a:miter lim="800000"/>
-            <a:headEnd/>
-            <a:tailEnd/>
-          </a:ln>
-          <a:effectLst/>
-        </p:spPr>
-      </p:pic>
-    </p:spTree>
-  </p:cSld>
-  <p:clrMapOvr>
-    <a:masterClrMapping/>
-  </p:clrMapOvr>
-</p:sld>
-</file>
-
-<file path=ppt/slides/slide16.xml><?xml version="1.0" encoding="utf-8"?>
-<p:sld xmlns:a="http://schemas.openxmlformats.org/drawingml/2006/main" xmlns:r="http://schemas.openxmlformats.org/officeDocument/2006/relationships" xmlns:p="http://schemas.openxmlformats.org/presentationml/2006/main">
-  <p:cSld>
-    <p:spTree>
-      <p:nvGrpSpPr>
-        <p:cNvPr id="1" name=""/>
-        <p:cNvGrpSpPr/>
-        <p:nvPr/>
-      </p:nvGrpSpPr>
-      <p:grpSpPr>
-        <a:xfrm>
-          <a:off x="0" y="0"/>
-          <a:ext cx="0" cy="0"/>
-          <a:chOff x="0" y="0"/>
-          <a:chExt cx="0" cy="0"/>
-        </a:xfrm>
-      </p:grpSpPr>
-      <p:sp>
-        <p:nvSpPr>
-          <p:cNvPr id="2" name="Title 1"/>
-          <p:cNvSpPr>
-            <a:spLocks noGrp="1"/>
-          </p:cNvSpPr>
-          <p:nvPr>
-            <p:ph type="title"/>
-          </p:nvPr>
-        </p:nvSpPr>
-        <p:spPr/>
-        <p:txBody>
-          <a:bodyPr/>
-          <a:lstStyle/>
-          <a:p>
-            <a:r>
-              <a:rPr lang="en-US" dirty="0" err="1" smtClean="0"/>
-              <a:t>Position:absolute</a:t>
-            </a:r>
-            <a:endParaRPr lang="en-US" dirty="0"/>
-          </a:p>
-        </p:txBody>
-      </p:sp>
-      <p:pic>
-        <p:nvPicPr>
-          <p:cNvPr id="5122" name="Picture 2"/>
-          <p:cNvPicPr>
-            <a:picLocks noGrp="1" noChangeAspect="1" noChangeArrowheads="1"/>
-          </p:cNvPicPr>
-          <p:nvPr>
-            <p:ph idx="1"/>
-          </p:nvPr>
-        </p:nvPicPr>
-        <p:blipFill>
-          <a:blip r:embed="rId2"/>
-          <a:srcRect/>
-          <a:stretch>
-            <a:fillRect/>
-          </a:stretch>
-        </p:blipFill>
-        <p:spPr bwMode="auto">
-          <a:xfrm>
-            <a:off x="1115105" y="1767001"/>
-            <a:ext cx="7610475" cy="4076700"/>
-          </a:xfrm>
-          <a:prstGeom prst="rect">
-            <a:avLst/>
-          </a:prstGeom>
-          <a:noFill/>
-          <a:ln w="9525">
-            <a:noFill/>
-            <a:miter lim="800000"/>
-            <a:headEnd/>
-            <a:tailEnd/>
-          </a:ln>
-          <a:effectLst/>
-        </p:spPr>
-      </p:pic>
-    </p:spTree>
-  </p:cSld>
-  <p:clrMapOvr>
-    <a:masterClrMapping/>
-  </p:clrMapOvr>
-</p:sld>
-</file>
-
-<file path=ppt/slides/slide17.xml><?xml version="1.0" encoding="utf-8"?>
-<p:sld xmlns:a="http://schemas.openxmlformats.org/drawingml/2006/main" xmlns:r="http://schemas.openxmlformats.org/officeDocument/2006/relationships" xmlns:p="http://schemas.openxmlformats.org/presentationml/2006/main">
-  <p:cSld>
-    <p:spTree>
-      <p:nvGrpSpPr>
-        <p:cNvPr id="1" name=""/>
-        <p:cNvGrpSpPr/>
-        <p:nvPr/>
-      </p:nvGrpSpPr>
-      <p:grpSpPr>
-        <a:xfrm>
-          <a:off x="0" y="0"/>
-          <a:ext cx="0" cy="0"/>
-          <a:chOff x="0" y="0"/>
-          <a:chExt cx="0" cy="0"/>
-        </a:xfrm>
-      </p:grpSpPr>
-      <p:sp>
-        <p:nvSpPr>
-          <p:cNvPr id="2" name="Title 1"/>
-          <p:cNvSpPr>
-            <a:spLocks noGrp="1"/>
-          </p:cNvSpPr>
-          <p:nvPr>
-            <p:ph type="title"/>
-          </p:nvPr>
-        </p:nvSpPr>
-        <p:spPr/>
-        <p:txBody>
-          <a:bodyPr/>
-          <a:lstStyle/>
-          <a:p>
-            <a:r>
-              <a:rPr lang="en-US" dirty="0" err="1" smtClean="0"/>
-              <a:t>Position:relative</a:t>
-            </a:r>
-            <a:endParaRPr lang="en-US" dirty="0"/>
-          </a:p>
-        </p:txBody>
-      </p:sp>
-      <p:pic>
-        <p:nvPicPr>
-          <p:cNvPr id="3074" name="Picture 2"/>
-          <p:cNvPicPr>
-            <a:picLocks noGrp="1" noChangeAspect="1" noChangeArrowheads="1"/>
-          </p:cNvPicPr>
-          <p:nvPr>
-            <p:ph idx="1"/>
-          </p:nvPr>
-        </p:nvPicPr>
-        <p:blipFill>
-          <a:blip r:embed="rId2"/>
-          <a:srcRect/>
-          <a:stretch>
-            <a:fillRect/>
-          </a:stretch>
-        </p:blipFill>
-        <p:spPr bwMode="auto">
-          <a:xfrm>
-            <a:off x="452124" y="1786437"/>
-            <a:ext cx="4599569" cy="4351338"/>
-          </a:xfrm>
-          <a:prstGeom prst="rect">
-            <a:avLst/>
-          </a:prstGeom>
-          <a:noFill/>
-          <a:ln w="9525">
-            <a:noFill/>
-            <a:miter lim="800000"/>
-            <a:headEnd/>
-            <a:tailEnd/>
-          </a:ln>
-          <a:effectLst/>
-        </p:spPr>
-      </p:pic>
-      <p:pic>
-        <p:nvPicPr>
-          <p:cNvPr id="3075" name="Picture 3"/>
-          <p:cNvPicPr>
-            <a:picLocks noChangeAspect="1" noChangeArrowheads="1"/>
-          </p:cNvPicPr>
-          <p:nvPr/>
-        </p:nvPicPr>
-        <p:blipFill>
-          <a:blip r:embed="rId3"/>
-          <a:srcRect/>
-          <a:stretch>
-            <a:fillRect/>
-          </a:stretch>
-        </p:blipFill>
-        <p:spPr bwMode="auto">
-          <a:xfrm>
-            <a:off x="5632540" y="1911940"/>
-            <a:ext cx="5734050" cy="4105275"/>
-          </a:xfrm>
-          <a:prstGeom prst="rect">
-            <a:avLst/>
-          </a:prstGeom>
-          <a:noFill/>
-          <a:ln w="9525">
-            <a:noFill/>
-            <a:miter lim="800000"/>
-            <a:headEnd/>
-            <a:tailEnd/>
-          </a:ln>
-          <a:effectLst/>
-        </p:spPr>
-      </p:pic>
-    </p:spTree>
-  </p:cSld>
-  <p:clrMapOvr>
-    <a:masterClrMapping/>
-  </p:clrMapOvr>
-</p:sld>
-</file>
-
-<file path=ppt/slides/slide18.xml><?xml version="1.0" encoding="utf-8"?>
-<p:sld xmlns:a="http://schemas.openxmlformats.org/drawingml/2006/main" xmlns:r="http://schemas.openxmlformats.org/officeDocument/2006/relationships" xmlns:p="http://schemas.openxmlformats.org/presentationml/2006/main">
-  <p:cSld>
-    <p:spTree>
-      <p:nvGrpSpPr>
-        <p:cNvPr id="1" name=""/>
-        <p:cNvGrpSpPr/>
-        <p:nvPr/>
-      </p:nvGrpSpPr>
-      <p:grpSpPr>
-        <a:xfrm>
-          <a:off x="0" y="0"/>
-          <a:ext cx="0" cy="0"/>
-          <a:chOff x="0" y="0"/>
-          <a:chExt cx="0" cy="0"/>
-        </a:xfrm>
-      </p:grpSpPr>
-      <p:sp>
-        <p:nvSpPr>
-          <p:cNvPr id="2" name="Title 1"/>
-          <p:cNvSpPr>
-            <a:spLocks noGrp="1"/>
-          </p:cNvSpPr>
-          <p:nvPr>
-            <p:ph type="title"/>
-          </p:nvPr>
-        </p:nvSpPr>
-        <p:spPr/>
-        <p:txBody>
-          <a:bodyPr/>
-          <a:lstStyle/>
-          <a:p>
-            <a:r>
-              <a:rPr lang="en-US" dirty="0" err="1" smtClean="0"/>
-              <a:t>Position:absolute</a:t>
-            </a:r>
-            <a:endParaRPr lang="en-US" dirty="0"/>
-          </a:p>
-        </p:txBody>
-      </p:sp>
-      <p:pic>
-        <p:nvPicPr>
-          <p:cNvPr id="4098" name="Picture 2"/>
-          <p:cNvPicPr>
-            <a:picLocks noGrp="1" noChangeAspect="1" noChangeArrowheads="1"/>
-          </p:cNvPicPr>
-          <p:nvPr>
-            <p:ph idx="1"/>
-          </p:nvPr>
-        </p:nvPicPr>
-        <p:blipFill>
-          <a:blip r:embed="rId2"/>
-          <a:srcRect/>
-          <a:stretch>
-            <a:fillRect/>
-          </a:stretch>
-        </p:blipFill>
-        <p:spPr bwMode="auto">
-          <a:xfrm>
-            <a:off x="768379" y="1721122"/>
-            <a:ext cx="3836430" cy="4351338"/>
-          </a:xfrm>
-          <a:prstGeom prst="rect">
-            <a:avLst/>
-          </a:prstGeom>
-          <a:noFill/>
-          <a:ln w="9525">
-            <a:noFill/>
-            <a:miter lim="800000"/>
-            <a:headEnd/>
-            <a:tailEnd/>
-          </a:ln>
-          <a:effectLst/>
-        </p:spPr>
-      </p:pic>
-      <p:pic>
-        <p:nvPicPr>
-          <p:cNvPr id="4099" name="Picture 3"/>
-          <p:cNvPicPr>
-            <a:picLocks noChangeAspect="1" noChangeArrowheads="1"/>
-          </p:cNvPicPr>
-          <p:nvPr/>
-        </p:nvPicPr>
-        <p:blipFill>
-          <a:blip r:embed="rId3"/>
-          <a:srcRect/>
-          <a:stretch>
-            <a:fillRect/>
-          </a:stretch>
-        </p:blipFill>
-        <p:spPr bwMode="auto">
-          <a:xfrm>
-            <a:off x="5176702" y="1753553"/>
-            <a:ext cx="5600700" cy="4448175"/>
-          </a:xfrm>
-          <a:prstGeom prst="rect">
-            <a:avLst/>
-          </a:prstGeom>
-          <a:noFill/>
-          <a:ln w="9525">
-            <a:noFill/>
-            <a:miter lim="800000"/>
-            <a:headEnd/>
-            <a:tailEnd/>
-          </a:ln>
-          <a:effectLst/>
-        </p:spPr>
-      </p:pic>
-    </p:spTree>
-  </p:cSld>
-  <p:clrMapOvr>
-    <a:masterClrMapping/>
-  </p:clrMapOvr>
-</p:sld>
-</file>
-
-<file path=ppt/slides/slide19.xml><?xml version="1.0" encoding="utf-8"?>
-<p:sld xmlns:a="http://schemas.openxmlformats.org/drawingml/2006/main" xmlns:r="http://schemas.openxmlformats.org/officeDocument/2006/relationships" xmlns:p="http://schemas.openxmlformats.org/presentationml/2006/main">
-  <p:cSld>
-    <p:spTree>
-      <p:nvGrpSpPr>
-        <p:cNvPr id="1" name=""/>
-        <p:cNvGrpSpPr/>
-        <p:nvPr/>
-      </p:nvGrpSpPr>
-      <p:grpSpPr>
-        <a:xfrm>
-          <a:off x="0" y="0"/>
-          <a:ext cx="0" cy="0"/>
-          <a:chOff x="0" y="0"/>
-          <a:chExt cx="0" cy="0"/>
-        </a:xfrm>
-      </p:grpSpPr>
-      <p:sp>
-        <p:nvSpPr>
-          <p:cNvPr id="2" name="Title 1"/>
-          <p:cNvSpPr>
-            <a:spLocks noGrp="1"/>
-          </p:cNvSpPr>
-          <p:nvPr>
-            <p:ph type="title"/>
-          </p:nvPr>
-        </p:nvSpPr>
-        <p:spPr/>
-        <p:txBody>
-          <a:bodyPr/>
-          <a:lstStyle/>
-          <a:p>
-            <a:r>
-              <a:rPr lang="en-US" dirty="0" err="1" smtClean="0"/>
-              <a:t>Position:sticky</a:t>
-            </a:r>
-            <a:endParaRPr lang="en-US" dirty="0"/>
-          </a:p>
-        </p:txBody>
-      </p:sp>
-      <p:pic>
-        <p:nvPicPr>
-          <p:cNvPr id="6146" name="Picture 2"/>
-          <p:cNvPicPr>
-            <a:picLocks noGrp="1" noChangeAspect="1" noChangeArrowheads="1"/>
-          </p:cNvPicPr>
-          <p:nvPr>
-            <p:ph idx="1"/>
-          </p:nvPr>
-        </p:nvPicPr>
-        <p:blipFill>
-          <a:blip r:embed="rId2"/>
-          <a:srcRect/>
-          <a:stretch>
-            <a:fillRect/>
-          </a:stretch>
-        </p:blipFill>
-        <p:spPr bwMode="auto">
-          <a:xfrm>
-            <a:off x="838200" y="2157198"/>
-            <a:ext cx="10515600" cy="3688192"/>
-          </a:xfrm>
-          <a:prstGeom prst="rect">
-            <a:avLst/>
-          </a:prstGeom>
-          <a:noFill/>
-          <a:ln w="9525">
-            <a:noFill/>
-            <a:miter lim="800000"/>
-            <a:headEnd/>
-            <a:tailEnd/>
-          </a:ln>
-          <a:effectLst/>
-        </p:spPr>
-      </p:pic>
-    </p:spTree>
-  </p:cSld>
-  <p:clrMapOvr>
-    <a:masterClrMapping/>
-  </p:clrMapOvr>
-</p:sld>
-</file>
-
 <file path=ppt/slides/slide2.xml><?xml version="1.0" encoding="utf-8"?>
-<p:sld xmlns:a="http://schemas.openxmlformats.org/drawingml/2006/main" xmlns:r="http://schemas.openxmlformats.org/officeDocument/2006/relationships" xmlns:p="http://schemas.openxmlformats.org/presentationml/2006/main">
-  <p:cSld>
-    <p:spTree>
-      <p:nvGrpSpPr>
-        <p:cNvPr id="1" name=""/>
-        <p:cNvGrpSpPr/>
-        <p:nvPr/>
-      </p:nvGrpSpPr>
-      <p:grpSpPr>
-        <a:xfrm>
-          <a:off x="0" y="0"/>
-          <a:ext cx="0" cy="0"/>
-          <a:chOff x="0" y="0"/>
-          <a:chExt cx="0" cy="0"/>
-        </a:xfrm>
-      </p:grpSpPr>
-      <p:sp>
-        <p:nvSpPr>
-          <p:cNvPr id="2" name="Title 1"/>
-          <p:cNvSpPr>
-            <a:spLocks noGrp="1"/>
-          </p:cNvSpPr>
-          <p:nvPr>
-            <p:ph type="title"/>
-          </p:nvPr>
-        </p:nvSpPr>
-        <p:spPr/>
-        <p:txBody>
-          <a:bodyPr/>
-          <a:lstStyle/>
-          <a:p>
-            <a:r>
-              <a:rPr lang="en-IN" dirty="0" smtClean="0"/>
-              <a:t>Box sizing – border-box</a:t>
-            </a:r>
-            <a:endParaRPr lang="en-US" dirty="0"/>
-          </a:p>
-        </p:txBody>
-      </p:sp>
-      <p:pic>
-        <p:nvPicPr>
-          <p:cNvPr id="2050" name="Picture 2"/>
-          <p:cNvPicPr>
-            <a:picLocks noGrp="1" noChangeAspect="1" noChangeArrowheads="1"/>
-          </p:cNvPicPr>
-          <p:nvPr>
-            <p:ph idx="1"/>
-          </p:nvPr>
-        </p:nvPicPr>
-        <p:blipFill>
-          <a:blip r:embed="rId2"/>
-          <a:srcRect/>
-          <a:stretch>
-            <a:fillRect/>
-          </a:stretch>
-        </p:blipFill>
-        <p:spPr bwMode="auto">
-          <a:xfrm>
-            <a:off x="1093062" y="1867989"/>
-            <a:ext cx="3060927" cy="4114800"/>
-          </a:xfrm>
-          <a:prstGeom prst="rect">
-            <a:avLst/>
-          </a:prstGeom>
-          <a:noFill/>
-          <a:ln w="9525">
-            <a:noFill/>
-            <a:miter lim="800000"/>
-            <a:headEnd/>
-            <a:tailEnd/>
-          </a:ln>
-          <a:effectLst/>
-        </p:spPr>
-      </p:pic>
-      <p:pic>
-        <p:nvPicPr>
-          <p:cNvPr id="2051" name="Picture 3"/>
-          <p:cNvPicPr>
-            <a:picLocks noChangeAspect="1" noChangeArrowheads="1"/>
-          </p:cNvPicPr>
-          <p:nvPr/>
-        </p:nvPicPr>
-        <p:blipFill>
-          <a:blip r:embed="rId3"/>
-          <a:srcRect/>
-          <a:stretch>
-            <a:fillRect/>
-          </a:stretch>
-        </p:blipFill>
-        <p:spPr bwMode="auto">
-          <a:xfrm>
-            <a:off x="5264330" y="1541417"/>
-            <a:ext cx="5956663" cy="4428309"/>
-          </a:xfrm>
-          <a:prstGeom prst="rect">
-            <a:avLst/>
-          </a:prstGeom>
-          <a:noFill/>
-          <a:ln w="9525">
-            <a:noFill/>
-            <a:miter lim="800000"/>
-            <a:headEnd/>
-            <a:tailEnd/>
-          </a:ln>
-          <a:effectLst/>
-        </p:spPr>
-      </p:pic>
-    </p:spTree>
-  </p:cSld>
-  <p:clrMapOvr>
-    <a:masterClrMapping/>
-  </p:clrMapOvr>
-</p:sld>
-</file>
-
-<file path=ppt/slides/slide20.xml><?xml version="1.0" encoding="utf-8"?>
-<p:sld xmlns:a="http://schemas.openxmlformats.org/drawingml/2006/main" xmlns:r="http://schemas.openxmlformats.org/officeDocument/2006/relationships" xmlns:p="http://schemas.openxmlformats.org/presentationml/2006/main">
-  <p:cSld>
-    <p:spTree>
-      <p:nvGrpSpPr>
-        <p:cNvPr id="1" name=""/>
-        <p:cNvGrpSpPr/>
-        <p:nvPr/>
-      </p:nvGrpSpPr>
-      <p:grpSpPr>
-        <a:xfrm>
-          <a:off x="0" y="0"/>
-          <a:ext cx="0" cy="0"/>
-          <a:chOff x="0" y="0"/>
-          <a:chExt cx="0" cy="0"/>
-        </a:xfrm>
-      </p:grpSpPr>
-      <p:sp>
-        <p:nvSpPr>
-          <p:cNvPr id="2" name="Title 1"/>
-          <p:cNvSpPr>
-            <a:spLocks noGrp="1"/>
-          </p:cNvSpPr>
-          <p:nvPr>
-            <p:ph type="title"/>
-          </p:nvPr>
-        </p:nvSpPr>
-        <p:spPr/>
-        <p:txBody>
-          <a:bodyPr/>
-          <a:lstStyle/>
-          <a:p>
-            <a:r>
-              <a:rPr lang="en-US" dirty="0" err="1" smtClean="0"/>
-              <a:t>Position:fixed</a:t>
-            </a:r>
-            <a:endParaRPr lang="en-US" dirty="0"/>
-          </a:p>
-        </p:txBody>
-      </p:sp>
-      <p:pic>
-        <p:nvPicPr>
-          <p:cNvPr id="7170" name="Picture 2"/>
-          <p:cNvPicPr>
-            <a:picLocks noGrp="1" noChangeAspect="1" noChangeArrowheads="1"/>
-          </p:cNvPicPr>
-          <p:nvPr>
-            <p:ph idx="1"/>
-          </p:nvPr>
-        </p:nvPicPr>
-        <p:blipFill>
-          <a:blip r:embed="rId2"/>
-          <a:srcRect/>
-          <a:stretch>
-            <a:fillRect/>
-          </a:stretch>
-        </p:blipFill>
-        <p:spPr bwMode="auto">
-          <a:xfrm>
-            <a:off x="838200" y="2019296"/>
-            <a:ext cx="10515600" cy="3963996"/>
-          </a:xfrm>
-          <a:prstGeom prst="rect">
-            <a:avLst/>
-          </a:prstGeom>
-          <a:noFill/>
-          <a:ln w="9525">
-            <a:noFill/>
-            <a:miter lim="800000"/>
-            <a:headEnd/>
-            <a:tailEnd/>
-          </a:ln>
-          <a:effectLst/>
-        </p:spPr>
-      </p:pic>
-    </p:spTree>
-  </p:cSld>
-  <p:clrMapOvr>
-    <a:masterClrMapping/>
-  </p:clrMapOvr>
-</p:sld>
-</file>
-
-<file path=ppt/slides/slide3.xml><?xml version="1.0" encoding="utf-8"?>
-<p:sld xmlns:a="http://schemas.openxmlformats.org/drawingml/2006/main" xmlns:r="http://schemas.openxmlformats.org/officeDocument/2006/relationships" xmlns:p="http://schemas.openxmlformats.org/presentationml/2006/main">
-  <p:cSld>
-    <p:spTree>
-      <p:nvGrpSpPr>
-        <p:cNvPr id="1" name=""/>
-        <p:cNvGrpSpPr/>
-        <p:nvPr/>
-      </p:nvGrpSpPr>
-      <p:grpSpPr>
-        <a:xfrm>
-          <a:off x="0" y="0"/>
-          <a:ext cx="0" cy="0"/>
-          <a:chOff x="0" y="0"/>
-          <a:chExt cx="0" cy="0"/>
-        </a:xfrm>
-      </p:grpSpPr>
-      <p:sp>
-        <p:nvSpPr>
-          <p:cNvPr id="2" name="Title 1"/>
-          <p:cNvSpPr>
-            <a:spLocks noGrp="1"/>
-          </p:cNvSpPr>
-          <p:nvPr>
-            <p:ph type="title"/>
-          </p:nvPr>
-        </p:nvSpPr>
-        <p:spPr/>
-        <p:txBody>
-          <a:bodyPr/>
-          <a:lstStyle/>
-          <a:p>
-            <a:r>
-              <a:rPr lang="en-IN" dirty="0" smtClean="0"/>
-              <a:t>Box sizing – without border box</a:t>
-            </a:r>
-            <a:endParaRPr lang="en-US" dirty="0"/>
-          </a:p>
-        </p:txBody>
-      </p:sp>
-      <p:pic>
-        <p:nvPicPr>
-          <p:cNvPr id="1026" name="Picture 2"/>
-          <p:cNvPicPr>
-            <a:picLocks noGrp="1" noChangeAspect="1" noChangeArrowheads="1"/>
-          </p:cNvPicPr>
-          <p:nvPr>
-            <p:ph idx="1"/>
-          </p:nvPr>
-        </p:nvPicPr>
-        <p:blipFill>
-          <a:blip r:embed="rId2"/>
-          <a:srcRect/>
-          <a:stretch>
-            <a:fillRect/>
-          </a:stretch>
-        </p:blipFill>
-        <p:spPr bwMode="auto">
-          <a:xfrm>
-            <a:off x="866367" y="2060916"/>
-            <a:ext cx="3666444" cy="3947998"/>
-          </a:xfrm>
-          <a:prstGeom prst="rect">
-            <a:avLst/>
-          </a:prstGeom>
-          <a:noFill/>
-          <a:ln w="9525">
-            <a:noFill/>
-            <a:miter lim="800000"/>
-            <a:headEnd/>
-            <a:tailEnd/>
-          </a:ln>
-          <a:effectLst/>
-        </p:spPr>
-      </p:pic>
-      <p:pic>
-        <p:nvPicPr>
-          <p:cNvPr id="1027" name="Picture 3"/>
-          <p:cNvPicPr>
-            <a:picLocks noChangeAspect="1" noChangeArrowheads="1"/>
-          </p:cNvPicPr>
-          <p:nvPr/>
-        </p:nvPicPr>
-        <p:blipFill>
-          <a:blip r:embed="rId3"/>
-          <a:srcRect/>
-          <a:stretch>
-            <a:fillRect/>
-          </a:stretch>
-        </p:blipFill>
-        <p:spPr bwMode="auto">
-          <a:xfrm>
-            <a:off x="5368561" y="1528354"/>
-            <a:ext cx="5290729" cy="4572000"/>
-          </a:xfrm>
-          <a:prstGeom prst="rect">
-            <a:avLst/>
-          </a:prstGeom>
-          <a:noFill/>
-          <a:ln w="9525">
-            <a:noFill/>
-            <a:miter lim="800000"/>
-            <a:headEnd/>
-            <a:tailEnd/>
-          </a:ln>
-          <a:effectLst/>
-        </p:spPr>
-      </p:pic>
-    </p:spTree>
-  </p:cSld>
-  <p:clrMapOvr>
-    <a:masterClrMapping/>
-  </p:clrMapOvr>
-</p:sld>
-</file>
-
-<file path=ppt/slides/slide4.xml><?xml version="1.0" encoding="utf-8"?>
 <p:sld xmlns:a="http://schemas.openxmlformats.org/drawingml/2006/main" xmlns:r="http://schemas.openxmlformats.org/officeDocument/2006/relationships" xmlns:p="http://schemas.openxmlformats.org/presentationml/2006/main">
   <p:cSld>
     <p:spTree>
@@ -4552,7 +3385,7 @@
 </p:sld>
 </file>
 
-<file path=ppt/slides/slide5.xml><?xml version="1.0" encoding="utf-8"?>
+<file path=ppt/slides/slide3.xml><?xml version="1.0" encoding="utf-8"?>
 <p:sld xmlns:a="http://schemas.openxmlformats.org/drawingml/2006/main" xmlns:r="http://schemas.openxmlformats.org/officeDocument/2006/relationships" xmlns:p="http://schemas.openxmlformats.org/presentationml/2006/main">
   <p:cSld>
     <p:spTree>
@@ -4635,7 +3468,7 @@
 </p:sld>
 </file>
 
-<file path=ppt/slides/slide6.xml><?xml version="1.0" encoding="utf-8"?>
+<file path=ppt/slides/slide4.xml><?xml version="1.0" encoding="utf-8"?>
 <p:sld xmlns:a="http://schemas.openxmlformats.org/drawingml/2006/main" xmlns:r="http://schemas.openxmlformats.org/officeDocument/2006/relationships" xmlns:p="http://schemas.openxmlformats.org/presentationml/2006/main">
   <p:cSld>
     <p:spTree>
@@ -4718,7 +3551,7 @@
 </p:sld>
 </file>
 
-<file path=ppt/slides/slide7.xml><?xml version="1.0" encoding="utf-8"?>
+<file path=ppt/slides/slide5.xml><?xml version="1.0" encoding="utf-8"?>
 <p:sld xmlns:a="http://schemas.openxmlformats.org/drawingml/2006/main" xmlns:r="http://schemas.openxmlformats.org/officeDocument/2006/relationships" xmlns:p="http://schemas.openxmlformats.org/presentationml/2006/main">
   <p:cSld>
     <p:spTree>
@@ -4818,6 +3651,172 @@
 </p:sld>
 </file>
 
+<file path=ppt/slides/slide6.xml><?xml version="1.0" encoding="utf-8"?>
+<p:sld xmlns:a="http://schemas.openxmlformats.org/drawingml/2006/main" xmlns:r="http://schemas.openxmlformats.org/officeDocument/2006/relationships" xmlns:p="http://schemas.openxmlformats.org/presentationml/2006/main">
+  <p:cSld>
+    <p:spTree>
+      <p:nvGrpSpPr>
+        <p:cNvPr id="1" name=""/>
+        <p:cNvGrpSpPr/>
+        <p:nvPr/>
+      </p:nvGrpSpPr>
+      <p:grpSpPr>
+        <a:xfrm>
+          <a:off x="0" y="0"/>
+          <a:ext cx="0" cy="0"/>
+          <a:chOff x="0" y="0"/>
+          <a:chExt cx="0" cy="0"/>
+        </a:xfrm>
+      </p:grpSpPr>
+      <p:sp>
+        <p:nvSpPr>
+          <p:cNvPr id="2" name="Title 1"/>
+          <p:cNvSpPr>
+            <a:spLocks noGrp="1"/>
+          </p:cNvSpPr>
+          <p:nvPr>
+            <p:ph type="title"/>
+          </p:nvPr>
+        </p:nvSpPr>
+        <p:spPr/>
+        <p:txBody>
+          <a:bodyPr/>
+          <a:lstStyle/>
+          <a:p>
+            <a:r>
+              <a:rPr lang="en-US" dirty="0" smtClean="0"/>
+              <a:t>Grid Layout 2</a:t>
+            </a:r>
+            <a:endParaRPr lang="en-US" dirty="0"/>
+          </a:p>
+        </p:txBody>
+      </p:sp>
+      <p:pic>
+        <p:nvPicPr>
+          <p:cNvPr id="2050" name="Picture 2"/>
+          <p:cNvPicPr>
+            <a:picLocks noGrp="1" noChangeAspect="1" noChangeArrowheads="1"/>
+          </p:cNvPicPr>
+          <p:nvPr>
+            <p:ph idx="1"/>
+          </p:nvPr>
+        </p:nvPicPr>
+        <p:blipFill>
+          <a:blip r:embed="rId2"/>
+          <a:srcRect/>
+          <a:stretch>
+            <a:fillRect/>
+          </a:stretch>
+        </p:blipFill>
+        <p:spPr bwMode="auto">
+          <a:xfrm>
+            <a:off x="925216" y="1708060"/>
+            <a:ext cx="6220165" cy="4351338"/>
+          </a:xfrm>
+          <a:prstGeom prst="rect">
+            <a:avLst/>
+          </a:prstGeom>
+          <a:noFill/>
+          <a:ln w="9525">
+            <a:noFill/>
+            <a:miter lim="800000"/>
+            <a:headEnd/>
+            <a:tailEnd/>
+          </a:ln>
+          <a:effectLst/>
+        </p:spPr>
+      </p:pic>
+    </p:spTree>
+  </p:cSld>
+  <p:clrMapOvr>
+    <a:masterClrMapping/>
+  </p:clrMapOvr>
+</p:sld>
+</file>
+
+<file path=ppt/slides/slide7.xml><?xml version="1.0" encoding="utf-8"?>
+<p:sld xmlns:a="http://schemas.openxmlformats.org/drawingml/2006/main" xmlns:r="http://schemas.openxmlformats.org/officeDocument/2006/relationships" xmlns:p="http://schemas.openxmlformats.org/presentationml/2006/main">
+  <p:cSld>
+    <p:spTree>
+      <p:nvGrpSpPr>
+        <p:cNvPr id="1" name=""/>
+        <p:cNvGrpSpPr/>
+        <p:nvPr/>
+      </p:nvGrpSpPr>
+      <p:grpSpPr>
+        <a:xfrm>
+          <a:off x="0" y="0"/>
+          <a:ext cx="0" cy="0"/>
+          <a:chOff x="0" y="0"/>
+          <a:chExt cx="0" cy="0"/>
+        </a:xfrm>
+      </p:grpSpPr>
+      <p:sp>
+        <p:nvSpPr>
+          <p:cNvPr id="2" name="Title 1"/>
+          <p:cNvSpPr>
+            <a:spLocks noGrp="1"/>
+          </p:cNvSpPr>
+          <p:nvPr>
+            <p:ph type="title"/>
+          </p:nvPr>
+        </p:nvSpPr>
+        <p:spPr/>
+        <p:txBody>
+          <a:bodyPr/>
+          <a:lstStyle/>
+          <a:p>
+            <a:r>
+              <a:rPr lang="en-US" dirty="0" smtClean="0"/>
+              <a:t>Output</a:t>
+            </a:r>
+            <a:endParaRPr lang="en-US" dirty="0"/>
+          </a:p>
+        </p:txBody>
+      </p:sp>
+      <p:pic>
+        <p:nvPicPr>
+          <p:cNvPr id="3074" name="Picture 2"/>
+          <p:cNvPicPr>
+            <a:picLocks noGrp="1" noChangeAspect="1" noChangeArrowheads="1"/>
+          </p:cNvPicPr>
+          <p:nvPr>
+            <p:ph idx="1"/>
+          </p:nvPr>
+        </p:nvPicPr>
+        <p:blipFill>
+          <a:blip r:embed="rId2"/>
+          <a:srcRect/>
+          <a:stretch>
+            <a:fillRect/>
+          </a:stretch>
+        </p:blipFill>
+        <p:spPr bwMode="auto">
+          <a:xfrm>
+            <a:off x="1363213" y="1825625"/>
+            <a:ext cx="9465573" cy="4351338"/>
+          </a:xfrm>
+          <a:prstGeom prst="rect">
+            <a:avLst/>
+          </a:prstGeom>
+          <a:noFill/>
+          <a:ln w="9525">
+            <a:noFill/>
+            <a:miter lim="800000"/>
+            <a:headEnd/>
+            <a:tailEnd/>
+          </a:ln>
+          <a:effectLst/>
+        </p:spPr>
+      </p:pic>
+    </p:spTree>
+  </p:cSld>
+  <p:clrMapOvr>
+    <a:masterClrMapping/>
+  </p:clrMapOvr>
+</p:sld>
+</file>
+
 <file path=ppt/slides/slide8.xml><?xml version="1.0" encoding="utf-8"?>
 <p:sld xmlns:a="http://schemas.openxmlformats.org/drawingml/2006/main" xmlns:r="http://schemas.openxmlformats.org/officeDocument/2006/relationships" xmlns:p="http://schemas.openxmlformats.org/presentationml/2006/main">
   <p:cSld>
@@ -4851,8 +3850,8 @@
           <a:lstStyle/>
           <a:p>
             <a:r>
-              <a:rPr lang="en-US" dirty="0" smtClean="0"/>
-              <a:t>Grid Layout 2</a:t>
+              <a:rPr lang="en-US" dirty="0" err="1" smtClean="0"/>
+              <a:t>Flex+Grid</a:t>
             </a:r>
             <a:endParaRPr lang="en-US" dirty="0"/>
           </a:p>
@@ -4860,7 +3859,7 @@
       </p:sp>
       <p:pic>
         <p:nvPicPr>
-          <p:cNvPr id="2050" name="Picture 2"/>
+          <p:cNvPr id="4098" name="Picture 2"/>
           <p:cNvPicPr>
             <a:picLocks noGrp="1" noChangeAspect="1" noChangeArrowheads="1"/>
           </p:cNvPicPr>
@@ -4877,8 +3876,8 @@
         </p:blipFill>
         <p:spPr bwMode="auto">
           <a:xfrm>
-            <a:off x="925216" y="1708060"/>
-            <a:ext cx="6220165" cy="4351338"/>
+            <a:off x="1324100" y="1786436"/>
+            <a:ext cx="9360920" cy="4351338"/>
           </a:xfrm>
           <a:prstGeom prst="rect">
             <a:avLst/>
@@ -4933,17 +3932,13 @@
           <a:bodyPr/>
           <a:lstStyle/>
           <a:p>
-            <a:r>
-              <a:rPr lang="en-US" dirty="0" smtClean="0"/>
-              <a:t>Output</a:t>
-            </a:r>
-            <a:endParaRPr lang="en-US" dirty="0"/>
+            <a:endParaRPr lang="en-US"/>
           </a:p>
         </p:txBody>
       </p:sp>
       <p:pic>
         <p:nvPicPr>
-          <p:cNvPr id="3074" name="Picture 2"/>
+          <p:cNvPr id="1026" name="Picture 2"/>
           <p:cNvPicPr>
             <a:picLocks noGrp="1" noChangeAspect="1" noChangeArrowheads="1"/>
           </p:cNvPicPr>
@@ -4960,8 +3955,8 @@
         </p:blipFill>
         <p:spPr bwMode="auto">
           <a:xfrm>
-            <a:off x="1363213" y="1825625"/>
-            <a:ext cx="9465573" cy="4351338"/>
+            <a:off x="600891" y="533784"/>
+            <a:ext cx="10881360" cy="5631883"/>
           </a:xfrm>
           <a:prstGeom prst="rect">
             <a:avLst/>
@@ -5239,7 +4234,7 @@
   <a:extraClrSchemeLst/>
   <a:extLst>
     <a:ext uri="{05A4C25C-085E-4340-85A3-A5531E510DB2}">
-      <thm15:themeFamily xmlns:thm15="http://schemas.microsoft.com/office/thememl/2012/main" xmlns="" name="Office Theme" id="{62F939B6-93AF-4DB8-9C6B-D6C7DFDC589F}" vid="{4A3C46E8-61CC-4603-A589-7422A47A8E4A}"/>
+      <thm15:themeFamily xmlns="" xmlns:thm15="http://schemas.microsoft.com/office/thememl/2012/main" name="Office Theme" id="{62F939B6-93AF-4DB8-9C6B-D6C7DFDC589F}" vid="{4A3C46E8-61CC-4603-A589-7422A47A8E4A}"/>
     </a:ext>
   </a:extLst>
 </a:theme>
